--- a/Images& Animation.pptx
+++ b/Images& Animation.pptx
@@ -16968,11 +16968,6 @@
               </a:rPr>
               <a:t>Pranathi</a:t>
             </a:r>
-            <a:endParaRPr lang="en-US" b="1" dirty="0">
-              <a:solidFill>
-                <a:schemeClr val="accent1"/>
-              </a:solidFill>
-            </a:endParaRPr>
           </a:p>
         </p:txBody>
       </p:sp>
@@ -17268,11 +17263,6 @@
               </a:rPr>
               <a:t>Pranathi</a:t>
             </a:r>
-            <a:endParaRPr lang="en-US" b="1" dirty="0">
-              <a:solidFill>
-                <a:schemeClr val="accent1"/>
-              </a:solidFill>
-            </a:endParaRPr>
           </a:p>
         </p:txBody>
       </p:sp>
@@ -17640,11 +17630,6 @@
               </a:rPr>
               <a:t>Pranathi</a:t>
             </a:r>
-            <a:endParaRPr lang="en-US" b="1" dirty="0">
-              <a:solidFill>
-                <a:schemeClr val="accent1"/>
-              </a:solidFill>
-            </a:endParaRPr>
           </a:p>
         </p:txBody>
       </p:sp>
@@ -18376,11 +18361,6 @@
               </a:rPr>
               <a:t>Chase</a:t>
             </a:r>
-            <a:endParaRPr lang="en-US" b="1" dirty="0">
-              <a:solidFill>
-                <a:schemeClr val="accent1"/>
-              </a:solidFill>
-            </a:endParaRPr>
           </a:p>
         </p:txBody>
       </p:sp>
@@ -18581,11 +18561,6 @@
               </a:rPr>
               <a:t>Chase</a:t>
             </a:r>
-            <a:endParaRPr lang="en-US" b="1" dirty="0">
-              <a:solidFill>
-                <a:schemeClr val="accent1"/>
-              </a:solidFill>
-            </a:endParaRPr>
           </a:p>
         </p:txBody>
       </p:sp>
@@ -18861,11 +18836,6 @@
               </a:rPr>
               <a:t>Chase</a:t>
             </a:r>
-            <a:endParaRPr lang="en-US" b="1" dirty="0">
-              <a:solidFill>
-                <a:schemeClr val="accent1"/>
-              </a:solidFill>
-            </a:endParaRPr>
           </a:p>
         </p:txBody>
       </p:sp>
@@ -19036,11 +19006,6 @@
               </a:rPr>
               <a:t>Chase</a:t>
             </a:r>
-            <a:endParaRPr lang="en-US" b="1" dirty="0">
-              <a:solidFill>
-                <a:schemeClr val="accent1"/>
-              </a:solidFill>
-            </a:endParaRPr>
           </a:p>
         </p:txBody>
       </p:sp>
@@ -19133,26 +19098,30 @@
           <a:p>
             <a:r>
               <a:rPr lang="en-US" dirty="0" smtClean="0"/>
-              <a:t>Animation</a:t>
-            </a:r>
+              <a:t>Animation.</a:t>
+            </a:r>
+            <a:endParaRPr lang="en-US" dirty="0" smtClean="0"/>
           </a:p>
           <a:p>
             <a:r>
               <a:rPr lang="en-US" dirty="0" smtClean="0"/>
-              <a:t>Animation-delay</a:t>
-            </a:r>
+              <a:t>Animation-delay.</a:t>
+            </a:r>
+            <a:endParaRPr lang="en-US" dirty="0" smtClean="0"/>
           </a:p>
           <a:p>
             <a:r>
               <a:rPr lang="en-US" dirty="0" smtClean="0"/>
-              <a:t>Animation-direction</a:t>
-            </a:r>
+              <a:t>Animation-direction.</a:t>
+            </a:r>
+            <a:endParaRPr lang="en-US" dirty="0" smtClean="0"/>
           </a:p>
           <a:p>
             <a:r>
               <a:rPr lang="en-US" dirty="0" smtClean="0"/>
-              <a:t>Animation-duration</a:t>
-            </a:r>
+              <a:t>Animation-duration.</a:t>
+            </a:r>
+            <a:endParaRPr lang="en-US" dirty="0" smtClean="0"/>
           </a:p>
           <a:p>
             <a:r>
@@ -19162,16 +19131,16 @@
           </a:p>
           <a:p>
             <a:r>
+              <a:rPr lang="en-US" dirty="0" smtClean="0"/>
+              <a:t>Animation-iteration-count.</a:t>
+            </a:r>
+          </a:p>
+          <a:p>
+            <a:r>
               <a:rPr lang="en-US" smtClean="0"/>
-              <a:t>Animation-iteration-count.</a:t>
+              <a:t>Animation-timing-function.</a:t>
             </a:r>
             <a:endParaRPr lang="en-US" dirty="0" smtClean="0"/>
-          </a:p>
-          <a:p>
-            <a:r>
-              <a:rPr lang="en-US" dirty="0" smtClean="0"/>
-              <a:t>Animation-timing-function</a:t>
-            </a:r>
           </a:p>
           <a:p>
             <a:pPr marL="0" indent="0">
@@ -19365,15 +19334,7 @@
           <a:p>
             <a:r>
               <a:rPr lang="en-US" dirty="0" smtClean="0"/>
-              <a:t>The animation-timing-function </a:t>
-            </a:r>
-            <a:r>
-              <a:rPr lang="en-US" dirty="0" smtClean="0"/>
-              <a:t> </a:t>
-            </a:r>
-            <a:r>
-              <a:rPr lang="en-US" dirty="0" smtClean="0"/>
-              <a:t>specifies the speed curve of the animation.</a:t>
+              <a:t>The animation-timing-function  specifies the speed curve of the animation.</a:t>
             </a:r>
           </a:p>
           <a:p>
@@ -19422,11 +19383,7 @@
           <a:p>
             <a:r>
               <a:rPr lang="en-US" dirty="0" smtClean="0"/>
-              <a:t>Ease-out </a:t>
-            </a:r>
-            <a:r>
-              <a:rPr lang="en-US" dirty="0" smtClean="0"/>
-              <a:t>(slow end)</a:t>
+              <a:t>Ease-out (slow end)</a:t>
             </a:r>
           </a:p>
           <a:p>
